--- a/ppt 16-9/0204.耶稣降生.pptx
+++ b/ppt 16-9/0204.耶稣降生.pptx
@@ -5,7 +5,7 @@
     <p:sldMasterId id="2147483648" r:id="rId1"/>
   </p:sldMasterIdLst>
   <p:sldIdLst>
-    <p:sldId id="2847" r:id="rId2"/>
+    <p:sldId id="2848" r:id="rId2"/>
   </p:sldIdLst>
   <p:sldSz cx="12192000" cy="6858000"/>
   <p:notesSz cx="6858000" cy="9144000"/>
@@ -129,7 +129,7 @@
           <p:cNvPr id="2" name="标题 1">
             <a:extLst>
               <a:ext uri="{FF2B5EF4-FFF2-40B4-BE49-F238E27FC236}">
-                <a16:creationId xmlns:a16="http://schemas.microsoft.com/office/drawing/2014/main" id="{C8E8167D-8753-3962-AE1F-DF9976BD9356}"/>
+                <a16:creationId xmlns:a16="http://schemas.microsoft.com/office/drawing/2014/main" id="{C642C51B-9076-3EA0-F792-30A636669986}"/>
               </a:ext>
             </a:extLst>
           </p:cNvPr>
@@ -166,7 +166,7 @@
           <p:cNvPr id="3" name="副标题 2">
             <a:extLst>
               <a:ext uri="{FF2B5EF4-FFF2-40B4-BE49-F238E27FC236}">
-                <a16:creationId xmlns:a16="http://schemas.microsoft.com/office/drawing/2014/main" id="{414A19DD-0D8D-7591-B541-1BB2989E95DE}"/>
+                <a16:creationId xmlns:a16="http://schemas.microsoft.com/office/drawing/2014/main" id="{B5C3D199-A627-5B59-ACEB-C25605AC75D3}"/>
               </a:ext>
             </a:extLst>
           </p:cNvPr>
@@ -236,7 +236,7 @@
           <p:cNvPr id="4" name="日期占位符 3">
             <a:extLst>
               <a:ext uri="{FF2B5EF4-FFF2-40B4-BE49-F238E27FC236}">
-                <a16:creationId xmlns:a16="http://schemas.microsoft.com/office/drawing/2014/main" id="{A694B3C2-80F4-74C6-F1B8-82F592295D9D}"/>
+                <a16:creationId xmlns:a16="http://schemas.microsoft.com/office/drawing/2014/main" id="{CBEF2FB2-6922-F87F-3A25-CF6A743A4616}"/>
               </a:ext>
             </a:extLst>
           </p:cNvPr>
@@ -252,7 +252,7 @@
           <a:bodyPr/>
           <a:lstStyle/>
           <a:p>
-            <a:fld id="{03AF0036-817A-4EFD-BCC7-76A8CD1EB3D1}" type="datetimeFigureOut">
+            <a:fld id="{D6222118-81C0-411D-B3BF-F9ADC614A2D6}" type="datetimeFigureOut">
               <a:rPr lang="zh-CN" altLang="en-US" smtClean="0"/>
               <a:t>2024/3/10</a:t>
             </a:fld>
@@ -265,7 +265,7 @@
           <p:cNvPr id="5" name="页脚占位符 4">
             <a:extLst>
               <a:ext uri="{FF2B5EF4-FFF2-40B4-BE49-F238E27FC236}">
-                <a16:creationId xmlns:a16="http://schemas.microsoft.com/office/drawing/2014/main" id="{736BB2BA-AC24-23AF-8142-6F4BF22D0F0E}"/>
+                <a16:creationId xmlns:a16="http://schemas.microsoft.com/office/drawing/2014/main" id="{32DAB619-31FD-D3FC-1252-EDD314C957C3}"/>
               </a:ext>
             </a:extLst>
           </p:cNvPr>
@@ -290,7 +290,7 @@
           <p:cNvPr id="6" name="灯片编号占位符 5">
             <a:extLst>
               <a:ext uri="{FF2B5EF4-FFF2-40B4-BE49-F238E27FC236}">
-                <a16:creationId xmlns:a16="http://schemas.microsoft.com/office/drawing/2014/main" id="{DA9AAF75-D4B7-59FA-EFF7-66FEFB070716}"/>
+                <a16:creationId xmlns:a16="http://schemas.microsoft.com/office/drawing/2014/main" id="{5893FF8F-AFB8-D74E-3B40-458C406FA092}"/>
               </a:ext>
             </a:extLst>
           </p:cNvPr>
@@ -306,7 +306,7 @@
           <a:bodyPr/>
           <a:lstStyle/>
           <a:p>
-            <a:fld id="{9BD03D04-7667-44B2-B526-096BFE19F2EB}" type="slidenum">
+            <a:fld id="{DBFDEDCD-6821-4CAA-A701-9DE1DD2E92D4}" type="slidenum">
               <a:rPr lang="zh-CN" altLang="en-US" smtClean="0"/>
               <a:t>‹#›</a:t>
             </a:fld>
@@ -317,7 +317,7 @@
     </p:spTree>
     <p:extLst>
       <p:ext uri="{BB962C8B-B14F-4D97-AF65-F5344CB8AC3E}">
-        <p14:creationId xmlns:p14="http://schemas.microsoft.com/office/powerpoint/2010/main" val="3989226048"/>
+        <p14:creationId xmlns:p14="http://schemas.microsoft.com/office/powerpoint/2010/main" val="3197070333"/>
       </p:ext>
     </p:extLst>
   </p:cSld>
@@ -349,7 +349,7 @@
           <p:cNvPr id="2" name="标题 1">
             <a:extLst>
               <a:ext uri="{FF2B5EF4-FFF2-40B4-BE49-F238E27FC236}">
-                <a16:creationId xmlns:a16="http://schemas.microsoft.com/office/drawing/2014/main" id="{DCA5E8D6-A3DD-7000-21B5-C8AFCD21BD05}"/>
+                <a16:creationId xmlns:a16="http://schemas.microsoft.com/office/drawing/2014/main" id="{F8EA333D-DD4F-7D9B-4C98-BCFACBC3F606}"/>
               </a:ext>
             </a:extLst>
           </p:cNvPr>
@@ -377,7 +377,7 @@
           <p:cNvPr id="3" name="竖排文字占位符 2">
             <a:extLst>
               <a:ext uri="{FF2B5EF4-FFF2-40B4-BE49-F238E27FC236}">
-                <a16:creationId xmlns:a16="http://schemas.microsoft.com/office/drawing/2014/main" id="{88FE3B89-4D62-D0EE-DAD4-9A66F3916F89}"/>
+                <a16:creationId xmlns:a16="http://schemas.microsoft.com/office/drawing/2014/main" id="{CC920549-BE77-B533-9997-2D789DF2D256}"/>
               </a:ext>
             </a:extLst>
           </p:cNvPr>
@@ -434,7 +434,7 @@
           <p:cNvPr id="4" name="日期占位符 3">
             <a:extLst>
               <a:ext uri="{FF2B5EF4-FFF2-40B4-BE49-F238E27FC236}">
-                <a16:creationId xmlns:a16="http://schemas.microsoft.com/office/drawing/2014/main" id="{9DDCD92F-0AAC-F4F0-223B-47FD9D900A86}"/>
+                <a16:creationId xmlns:a16="http://schemas.microsoft.com/office/drawing/2014/main" id="{718C2905-75F3-8902-0150-5ADC27BDC9D7}"/>
               </a:ext>
             </a:extLst>
           </p:cNvPr>
@@ -450,7 +450,7 @@
           <a:bodyPr/>
           <a:lstStyle/>
           <a:p>
-            <a:fld id="{03AF0036-817A-4EFD-BCC7-76A8CD1EB3D1}" type="datetimeFigureOut">
+            <a:fld id="{D6222118-81C0-411D-B3BF-F9ADC614A2D6}" type="datetimeFigureOut">
               <a:rPr lang="zh-CN" altLang="en-US" smtClean="0"/>
               <a:t>2024/3/10</a:t>
             </a:fld>
@@ -463,7 +463,7 @@
           <p:cNvPr id="5" name="页脚占位符 4">
             <a:extLst>
               <a:ext uri="{FF2B5EF4-FFF2-40B4-BE49-F238E27FC236}">
-                <a16:creationId xmlns:a16="http://schemas.microsoft.com/office/drawing/2014/main" id="{DF9FA129-53CB-BE92-9EF8-0D92F3AE8D82}"/>
+                <a16:creationId xmlns:a16="http://schemas.microsoft.com/office/drawing/2014/main" id="{EEFBDE03-A7D4-FEF9-92B3-A4BB09AD8E4E}"/>
               </a:ext>
             </a:extLst>
           </p:cNvPr>
@@ -488,7 +488,7 @@
           <p:cNvPr id="6" name="灯片编号占位符 5">
             <a:extLst>
               <a:ext uri="{FF2B5EF4-FFF2-40B4-BE49-F238E27FC236}">
-                <a16:creationId xmlns:a16="http://schemas.microsoft.com/office/drawing/2014/main" id="{EC8DB7EF-344F-CFCC-F86E-91DB3C33641C}"/>
+                <a16:creationId xmlns:a16="http://schemas.microsoft.com/office/drawing/2014/main" id="{FA631C00-A930-BF83-9519-E4B949B5EADE}"/>
               </a:ext>
             </a:extLst>
           </p:cNvPr>
@@ -504,7 +504,7 @@
           <a:bodyPr/>
           <a:lstStyle/>
           <a:p>
-            <a:fld id="{9BD03D04-7667-44B2-B526-096BFE19F2EB}" type="slidenum">
+            <a:fld id="{DBFDEDCD-6821-4CAA-A701-9DE1DD2E92D4}" type="slidenum">
               <a:rPr lang="zh-CN" altLang="en-US" smtClean="0"/>
               <a:t>‹#›</a:t>
             </a:fld>
@@ -515,7 +515,7 @@
     </p:spTree>
     <p:extLst>
       <p:ext uri="{BB962C8B-B14F-4D97-AF65-F5344CB8AC3E}">
-        <p14:creationId xmlns:p14="http://schemas.microsoft.com/office/powerpoint/2010/main" val="1298344118"/>
+        <p14:creationId xmlns:p14="http://schemas.microsoft.com/office/powerpoint/2010/main" val="2489184187"/>
       </p:ext>
     </p:extLst>
   </p:cSld>
@@ -547,7 +547,7 @@
           <p:cNvPr id="2" name="竖排标题 1">
             <a:extLst>
               <a:ext uri="{FF2B5EF4-FFF2-40B4-BE49-F238E27FC236}">
-                <a16:creationId xmlns:a16="http://schemas.microsoft.com/office/drawing/2014/main" id="{5E865A91-D409-7A15-FC46-9D535C7413CE}"/>
+                <a16:creationId xmlns:a16="http://schemas.microsoft.com/office/drawing/2014/main" id="{EE2663EB-08BD-B78F-5F2A-B1FABE3CFF68}"/>
               </a:ext>
             </a:extLst>
           </p:cNvPr>
@@ -580,7 +580,7 @@
           <p:cNvPr id="3" name="竖排文字占位符 2">
             <a:extLst>
               <a:ext uri="{FF2B5EF4-FFF2-40B4-BE49-F238E27FC236}">
-                <a16:creationId xmlns:a16="http://schemas.microsoft.com/office/drawing/2014/main" id="{B046C073-7CB5-F0CC-14B8-3C51E299315F}"/>
+                <a16:creationId xmlns:a16="http://schemas.microsoft.com/office/drawing/2014/main" id="{91755C04-1387-5DC0-D30B-E159A3B49A6A}"/>
               </a:ext>
             </a:extLst>
           </p:cNvPr>
@@ -642,7 +642,7 @@
           <p:cNvPr id="4" name="日期占位符 3">
             <a:extLst>
               <a:ext uri="{FF2B5EF4-FFF2-40B4-BE49-F238E27FC236}">
-                <a16:creationId xmlns:a16="http://schemas.microsoft.com/office/drawing/2014/main" id="{4662B886-76B9-1757-C89C-7C9054AB9F68}"/>
+                <a16:creationId xmlns:a16="http://schemas.microsoft.com/office/drawing/2014/main" id="{D8C0CE30-52E3-9399-A20A-1DAB671AE497}"/>
               </a:ext>
             </a:extLst>
           </p:cNvPr>
@@ -658,7 +658,7 @@
           <a:bodyPr/>
           <a:lstStyle/>
           <a:p>
-            <a:fld id="{03AF0036-817A-4EFD-BCC7-76A8CD1EB3D1}" type="datetimeFigureOut">
+            <a:fld id="{D6222118-81C0-411D-B3BF-F9ADC614A2D6}" type="datetimeFigureOut">
               <a:rPr lang="zh-CN" altLang="en-US" smtClean="0"/>
               <a:t>2024/3/10</a:t>
             </a:fld>
@@ -671,7 +671,7 @@
           <p:cNvPr id="5" name="页脚占位符 4">
             <a:extLst>
               <a:ext uri="{FF2B5EF4-FFF2-40B4-BE49-F238E27FC236}">
-                <a16:creationId xmlns:a16="http://schemas.microsoft.com/office/drawing/2014/main" id="{E1730D59-4548-77CD-13A3-1F8B269D7740}"/>
+                <a16:creationId xmlns:a16="http://schemas.microsoft.com/office/drawing/2014/main" id="{E3DCBB11-B955-E8C2-C98D-8E7A8E4C10A1}"/>
               </a:ext>
             </a:extLst>
           </p:cNvPr>
@@ -696,7 +696,7 @@
           <p:cNvPr id="6" name="灯片编号占位符 5">
             <a:extLst>
               <a:ext uri="{FF2B5EF4-FFF2-40B4-BE49-F238E27FC236}">
-                <a16:creationId xmlns:a16="http://schemas.microsoft.com/office/drawing/2014/main" id="{5F46C7A1-1345-F873-10E0-CA035E639C15}"/>
+                <a16:creationId xmlns:a16="http://schemas.microsoft.com/office/drawing/2014/main" id="{F50BBC23-881D-6B50-D18D-53A1B4D115C7}"/>
               </a:ext>
             </a:extLst>
           </p:cNvPr>
@@ -712,7 +712,7 @@
           <a:bodyPr/>
           <a:lstStyle/>
           <a:p>
-            <a:fld id="{9BD03D04-7667-44B2-B526-096BFE19F2EB}" type="slidenum">
+            <a:fld id="{DBFDEDCD-6821-4CAA-A701-9DE1DD2E92D4}" type="slidenum">
               <a:rPr lang="zh-CN" altLang="en-US" smtClean="0"/>
               <a:t>‹#›</a:t>
             </a:fld>
@@ -723,7 +723,7 @@
     </p:spTree>
     <p:extLst>
       <p:ext uri="{BB962C8B-B14F-4D97-AF65-F5344CB8AC3E}">
-        <p14:creationId xmlns:p14="http://schemas.microsoft.com/office/powerpoint/2010/main" val="2558919434"/>
+        <p14:creationId xmlns:p14="http://schemas.microsoft.com/office/powerpoint/2010/main" val="909303030"/>
       </p:ext>
     </p:extLst>
   </p:cSld>
@@ -755,7 +755,7 @@
           <p:cNvPr id="2" name="标题 1">
             <a:extLst>
               <a:ext uri="{FF2B5EF4-FFF2-40B4-BE49-F238E27FC236}">
-                <a16:creationId xmlns:a16="http://schemas.microsoft.com/office/drawing/2014/main" id="{79873BA0-515F-0AD1-6AC8-F9630EC95839}"/>
+                <a16:creationId xmlns:a16="http://schemas.microsoft.com/office/drawing/2014/main" id="{DC7BFD1B-CDA6-EB18-0F3F-8A322718D1D8}"/>
               </a:ext>
             </a:extLst>
           </p:cNvPr>
@@ -783,7 +783,7 @@
           <p:cNvPr id="3" name="内容占位符 2">
             <a:extLst>
               <a:ext uri="{FF2B5EF4-FFF2-40B4-BE49-F238E27FC236}">
-                <a16:creationId xmlns:a16="http://schemas.microsoft.com/office/drawing/2014/main" id="{5E195FA8-07C0-D736-08FE-5EDD3766B303}"/>
+                <a16:creationId xmlns:a16="http://schemas.microsoft.com/office/drawing/2014/main" id="{56E1592E-A20F-48BA-2BD2-2807379A482C}"/>
               </a:ext>
             </a:extLst>
           </p:cNvPr>
@@ -840,7 +840,7 @@
           <p:cNvPr id="4" name="日期占位符 3">
             <a:extLst>
               <a:ext uri="{FF2B5EF4-FFF2-40B4-BE49-F238E27FC236}">
-                <a16:creationId xmlns:a16="http://schemas.microsoft.com/office/drawing/2014/main" id="{5F0416E6-3948-5CA9-C032-80E46B4C2A13}"/>
+                <a16:creationId xmlns:a16="http://schemas.microsoft.com/office/drawing/2014/main" id="{FD444016-B4D6-5312-BE34-FE42B5BD59CE}"/>
               </a:ext>
             </a:extLst>
           </p:cNvPr>
@@ -856,7 +856,7 @@
           <a:bodyPr/>
           <a:lstStyle/>
           <a:p>
-            <a:fld id="{03AF0036-817A-4EFD-BCC7-76A8CD1EB3D1}" type="datetimeFigureOut">
+            <a:fld id="{D6222118-81C0-411D-B3BF-F9ADC614A2D6}" type="datetimeFigureOut">
               <a:rPr lang="zh-CN" altLang="en-US" smtClean="0"/>
               <a:t>2024/3/10</a:t>
             </a:fld>
@@ -869,7 +869,7 @@
           <p:cNvPr id="5" name="页脚占位符 4">
             <a:extLst>
               <a:ext uri="{FF2B5EF4-FFF2-40B4-BE49-F238E27FC236}">
-                <a16:creationId xmlns:a16="http://schemas.microsoft.com/office/drawing/2014/main" id="{5B3E1889-BBE8-81A6-E76C-C7B439222EC4}"/>
+                <a16:creationId xmlns:a16="http://schemas.microsoft.com/office/drawing/2014/main" id="{DFF12D9E-514A-65EA-042E-641F12E346DA}"/>
               </a:ext>
             </a:extLst>
           </p:cNvPr>
@@ -894,7 +894,7 @@
           <p:cNvPr id="6" name="灯片编号占位符 5">
             <a:extLst>
               <a:ext uri="{FF2B5EF4-FFF2-40B4-BE49-F238E27FC236}">
-                <a16:creationId xmlns:a16="http://schemas.microsoft.com/office/drawing/2014/main" id="{C8098F03-4CE7-5770-0A0D-75DFB9A06B64}"/>
+                <a16:creationId xmlns:a16="http://schemas.microsoft.com/office/drawing/2014/main" id="{6B5F648A-CA80-4261-4F89-36CDED04B005}"/>
               </a:ext>
             </a:extLst>
           </p:cNvPr>
@@ -910,7 +910,7 @@
           <a:bodyPr/>
           <a:lstStyle/>
           <a:p>
-            <a:fld id="{9BD03D04-7667-44B2-B526-096BFE19F2EB}" type="slidenum">
+            <a:fld id="{DBFDEDCD-6821-4CAA-A701-9DE1DD2E92D4}" type="slidenum">
               <a:rPr lang="zh-CN" altLang="en-US" smtClean="0"/>
               <a:t>‹#›</a:t>
             </a:fld>
@@ -921,7 +921,7 @@
     </p:spTree>
     <p:extLst>
       <p:ext uri="{BB962C8B-B14F-4D97-AF65-F5344CB8AC3E}">
-        <p14:creationId xmlns:p14="http://schemas.microsoft.com/office/powerpoint/2010/main" val="1283680212"/>
+        <p14:creationId xmlns:p14="http://schemas.microsoft.com/office/powerpoint/2010/main" val="2857097530"/>
       </p:ext>
     </p:extLst>
   </p:cSld>
@@ -953,7 +953,7 @@
           <p:cNvPr id="2" name="标题 1">
             <a:extLst>
               <a:ext uri="{FF2B5EF4-FFF2-40B4-BE49-F238E27FC236}">
-                <a16:creationId xmlns:a16="http://schemas.microsoft.com/office/drawing/2014/main" id="{3DF53858-0B6D-AF4C-B425-440C19C32E0B}"/>
+                <a16:creationId xmlns:a16="http://schemas.microsoft.com/office/drawing/2014/main" id="{7CA5F233-7E43-24D7-FA4E-1601A5C4C270}"/>
               </a:ext>
             </a:extLst>
           </p:cNvPr>
@@ -990,7 +990,7 @@
           <p:cNvPr id="3" name="文本占位符 2">
             <a:extLst>
               <a:ext uri="{FF2B5EF4-FFF2-40B4-BE49-F238E27FC236}">
-                <a16:creationId xmlns:a16="http://schemas.microsoft.com/office/drawing/2014/main" id="{F74D3FB8-A10C-76EB-5C36-DBD73ED9A8CE}"/>
+                <a16:creationId xmlns:a16="http://schemas.microsoft.com/office/drawing/2014/main" id="{665A5745-8BDB-4819-7FB9-02EB284EECE6}"/>
               </a:ext>
             </a:extLst>
           </p:cNvPr>
@@ -1115,7 +1115,7 @@
           <p:cNvPr id="4" name="日期占位符 3">
             <a:extLst>
               <a:ext uri="{FF2B5EF4-FFF2-40B4-BE49-F238E27FC236}">
-                <a16:creationId xmlns:a16="http://schemas.microsoft.com/office/drawing/2014/main" id="{4C37C342-3F62-DBDD-DEFC-4A44EE541D0E}"/>
+                <a16:creationId xmlns:a16="http://schemas.microsoft.com/office/drawing/2014/main" id="{BFA8C049-07B9-E632-90BD-3CD9EEAD049E}"/>
               </a:ext>
             </a:extLst>
           </p:cNvPr>
@@ -1131,7 +1131,7 @@
           <a:bodyPr/>
           <a:lstStyle/>
           <a:p>
-            <a:fld id="{03AF0036-817A-4EFD-BCC7-76A8CD1EB3D1}" type="datetimeFigureOut">
+            <a:fld id="{D6222118-81C0-411D-B3BF-F9ADC614A2D6}" type="datetimeFigureOut">
               <a:rPr lang="zh-CN" altLang="en-US" smtClean="0"/>
               <a:t>2024/3/10</a:t>
             </a:fld>
@@ -1144,7 +1144,7 @@
           <p:cNvPr id="5" name="页脚占位符 4">
             <a:extLst>
               <a:ext uri="{FF2B5EF4-FFF2-40B4-BE49-F238E27FC236}">
-                <a16:creationId xmlns:a16="http://schemas.microsoft.com/office/drawing/2014/main" id="{987D03F5-A77D-6C2B-244F-C4B0B437B7EC}"/>
+                <a16:creationId xmlns:a16="http://schemas.microsoft.com/office/drawing/2014/main" id="{52DD1516-640D-7F30-6F81-6BF09001B168}"/>
               </a:ext>
             </a:extLst>
           </p:cNvPr>
@@ -1169,7 +1169,7 @@
           <p:cNvPr id="6" name="灯片编号占位符 5">
             <a:extLst>
               <a:ext uri="{FF2B5EF4-FFF2-40B4-BE49-F238E27FC236}">
-                <a16:creationId xmlns:a16="http://schemas.microsoft.com/office/drawing/2014/main" id="{33E46E35-9829-3AF1-6F0B-CF583815E800}"/>
+                <a16:creationId xmlns:a16="http://schemas.microsoft.com/office/drawing/2014/main" id="{25A1DA28-843B-7C6B-0776-016454729523}"/>
               </a:ext>
             </a:extLst>
           </p:cNvPr>
@@ -1185,7 +1185,7 @@
           <a:bodyPr/>
           <a:lstStyle/>
           <a:p>
-            <a:fld id="{9BD03D04-7667-44B2-B526-096BFE19F2EB}" type="slidenum">
+            <a:fld id="{DBFDEDCD-6821-4CAA-A701-9DE1DD2E92D4}" type="slidenum">
               <a:rPr lang="zh-CN" altLang="en-US" smtClean="0"/>
               <a:t>‹#›</a:t>
             </a:fld>
@@ -1196,7 +1196,7 @@
     </p:spTree>
     <p:extLst>
       <p:ext uri="{BB962C8B-B14F-4D97-AF65-F5344CB8AC3E}">
-        <p14:creationId xmlns:p14="http://schemas.microsoft.com/office/powerpoint/2010/main" val="506068560"/>
+        <p14:creationId xmlns:p14="http://schemas.microsoft.com/office/powerpoint/2010/main" val="4267453475"/>
       </p:ext>
     </p:extLst>
   </p:cSld>
@@ -1228,7 +1228,7 @@
           <p:cNvPr id="2" name="标题 1">
             <a:extLst>
               <a:ext uri="{FF2B5EF4-FFF2-40B4-BE49-F238E27FC236}">
-                <a16:creationId xmlns:a16="http://schemas.microsoft.com/office/drawing/2014/main" id="{A5CFEC1E-5BD8-E099-F4AD-523983128616}"/>
+                <a16:creationId xmlns:a16="http://schemas.microsoft.com/office/drawing/2014/main" id="{E163BE44-3783-E2A5-38F2-031E8E79127E}"/>
               </a:ext>
             </a:extLst>
           </p:cNvPr>
@@ -1256,7 +1256,7 @@
           <p:cNvPr id="3" name="内容占位符 2">
             <a:extLst>
               <a:ext uri="{FF2B5EF4-FFF2-40B4-BE49-F238E27FC236}">
-                <a16:creationId xmlns:a16="http://schemas.microsoft.com/office/drawing/2014/main" id="{D93D8164-EA3A-46AB-9779-00FC57E5622C}"/>
+                <a16:creationId xmlns:a16="http://schemas.microsoft.com/office/drawing/2014/main" id="{039F0BD8-670D-6B43-96B3-FE6F19FF461F}"/>
               </a:ext>
             </a:extLst>
           </p:cNvPr>
@@ -1318,7 +1318,7 @@
           <p:cNvPr id="4" name="内容占位符 3">
             <a:extLst>
               <a:ext uri="{FF2B5EF4-FFF2-40B4-BE49-F238E27FC236}">
-                <a16:creationId xmlns:a16="http://schemas.microsoft.com/office/drawing/2014/main" id="{CEFB6191-EC33-9D97-C155-5F3FBC290A8B}"/>
+                <a16:creationId xmlns:a16="http://schemas.microsoft.com/office/drawing/2014/main" id="{AC79A723-182F-66F2-3395-86127638A06D}"/>
               </a:ext>
             </a:extLst>
           </p:cNvPr>
@@ -1380,7 +1380,7 @@
           <p:cNvPr id="5" name="日期占位符 4">
             <a:extLst>
               <a:ext uri="{FF2B5EF4-FFF2-40B4-BE49-F238E27FC236}">
-                <a16:creationId xmlns:a16="http://schemas.microsoft.com/office/drawing/2014/main" id="{09B63D8C-0E1E-47A1-8993-EE3C9056DC11}"/>
+                <a16:creationId xmlns:a16="http://schemas.microsoft.com/office/drawing/2014/main" id="{DB90FC9F-900D-6783-E07F-2D74FEBEA6E5}"/>
               </a:ext>
             </a:extLst>
           </p:cNvPr>
@@ -1396,7 +1396,7 @@
           <a:bodyPr/>
           <a:lstStyle/>
           <a:p>
-            <a:fld id="{03AF0036-817A-4EFD-BCC7-76A8CD1EB3D1}" type="datetimeFigureOut">
+            <a:fld id="{D6222118-81C0-411D-B3BF-F9ADC614A2D6}" type="datetimeFigureOut">
               <a:rPr lang="zh-CN" altLang="en-US" smtClean="0"/>
               <a:t>2024/3/10</a:t>
             </a:fld>
@@ -1409,7 +1409,7 @@
           <p:cNvPr id="6" name="页脚占位符 5">
             <a:extLst>
               <a:ext uri="{FF2B5EF4-FFF2-40B4-BE49-F238E27FC236}">
-                <a16:creationId xmlns:a16="http://schemas.microsoft.com/office/drawing/2014/main" id="{FA1F49FE-6551-7071-A560-252C9AB7C1AC}"/>
+                <a16:creationId xmlns:a16="http://schemas.microsoft.com/office/drawing/2014/main" id="{299BA22F-C507-8D12-FE89-BDA1A677CC90}"/>
               </a:ext>
             </a:extLst>
           </p:cNvPr>
@@ -1434,7 +1434,7 @@
           <p:cNvPr id="7" name="灯片编号占位符 6">
             <a:extLst>
               <a:ext uri="{FF2B5EF4-FFF2-40B4-BE49-F238E27FC236}">
-                <a16:creationId xmlns:a16="http://schemas.microsoft.com/office/drawing/2014/main" id="{C4D05D60-6B89-D051-125A-B4D2126CA5DD}"/>
+                <a16:creationId xmlns:a16="http://schemas.microsoft.com/office/drawing/2014/main" id="{8681E531-BD6E-DE90-F69A-9AD9557E3B27}"/>
               </a:ext>
             </a:extLst>
           </p:cNvPr>
@@ -1450,7 +1450,7 @@
           <a:bodyPr/>
           <a:lstStyle/>
           <a:p>
-            <a:fld id="{9BD03D04-7667-44B2-B526-096BFE19F2EB}" type="slidenum">
+            <a:fld id="{DBFDEDCD-6821-4CAA-A701-9DE1DD2E92D4}" type="slidenum">
               <a:rPr lang="zh-CN" altLang="en-US" smtClean="0"/>
               <a:t>‹#›</a:t>
             </a:fld>
@@ -1461,7 +1461,7 @@
     </p:spTree>
     <p:extLst>
       <p:ext uri="{BB962C8B-B14F-4D97-AF65-F5344CB8AC3E}">
-        <p14:creationId xmlns:p14="http://schemas.microsoft.com/office/powerpoint/2010/main" val="2945690924"/>
+        <p14:creationId xmlns:p14="http://schemas.microsoft.com/office/powerpoint/2010/main" val="2753704583"/>
       </p:ext>
     </p:extLst>
   </p:cSld>
@@ -1493,7 +1493,7 @@
           <p:cNvPr id="2" name="标题 1">
             <a:extLst>
               <a:ext uri="{FF2B5EF4-FFF2-40B4-BE49-F238E27FC236}">
-                <a16:creationId xmlns:a16="http://schemas.microsoft.com/office/drawing/2014/main" id="{9399958A-EE19-4C13-0CC0-BB34581530E3}"/>
+                <a16:creationId xmlns:a16="http://schemas.microsoft.com/office/drawing/2014/main" id="{DDF6A436-AB69-5A96-5BDB-D0DEA0C8CD92}"/>
               </a:ext>
             </a:extLst>
           </p:cNvPr>
@@ -1526,7 +1526,7 @@
           <p:cNvPr id="3" name="文本占位符 2">
             <a:extLst>
               <a:ext uri="{FF2B5EF4-FFF2-40B4-BE49-F238E27FC236}">
-                <a16:creationId xmlns:a16="http://schemas.microsoft.com/office/drawing/2014/main" id="{C385008C-A187-3052-10D2-4312075974D3}"/>
+                <a16:creationId xmlns:a16="http://schemas.microsoft.com/office/drawing/2014/main" id="{956095C4-E8A9-A025-17A4-FC52FDAA8C5E}"/>
               </a:ext>
             </a:extLst>
           </p:cNvPr>
@@ -1597,7 +1597,7 @@
           <p:cNvPr id="4" name="内容占位符 3">
             <a:extLst>
               <a:ext uri="{FF2B5EF4-FFF2-40B4-BE49-F238E27FC236}">
-                <a16:creationId xmlns:a16="http://schemas.microsoft.com/office/drawing/2014/main" id="{0F585AB2-E386-9382-93F1-2A4C338E62C6}"/>
+                <a16:creationId xmlns:a16="http://schemas.microsoft.com/office/drawing/2014/main" id="{185C1938-5649-71E7-BA1B-558B72D84859}"/>
               </a:ext>
             </a:extLst>
           </p:cNvPr>
@@ -1659,7 +1659,7 @@
           <p:cNvPr id="5" name="文本占位符 4">
             <a:extLst>
               <a:ext uri="{FF2B5EF4-FFF2-40B4-BE49-F238E27FC236}">
-                <a16:creationId xmlns:a16="http://schemas.microsoft.com/office/drawing/2014/main" id="{DE4A2611-3395-F4A6-BE32-F7904F123991}"/>
+                <a16:creationId xmlns:a16="http://schemas.microsoft.com/office/drawing/2014/main" id="{831D1F63-AF22-DE9E-F091-BF8C61CF4FE8}"/>
               </a:ext>
             </a:extLst>
           </p:cNvPr>
@@ -1730,7 +1730,7 @@
           <p:cNvPr id="6" name="内容占位符 5">
             <a:extLst>
               <a:ext uri="{FF2B5EF4-FFF2-40B4-BE49-F238E27FC236}">
-                <a16:creationId xmlns:a16="http://schemas.microsoft.com/office/drawing/2014/main" id="{1CD824A0-5211-D0D1-F50C-0A251F065DEC}"/>
+                <a16:creationId xmlns:a16="http://schemas.microsoft.com/office/drawing/2014/main" id="{AA71397C-DC27-A08F-3123-06CCF423E237}"/>
               </a:ext>
             </a:extLst>
           </p:cNvPr>
@@ -1792,7 +1792,7 @@
           <p:cNvPr id="7" name="日期占位符 6">
             <a:extLst>
               <a:ext uri="{FF2B5EF4-FFF2-40B4-BE49-F238E27FC236}">
-                <a16:creationId xmlns:a16="http://schemas.microsoft.com/office/drawing/2014/main" id="{A6A49326-AA3B-3B2E-FBD7-00F99D5AC967}"/>
+                <a16:creationId xmlns:a16="http://schemas.microsoft.com/office/drawing/2014/main" id="{3C391287-698B-4B4F-0C6B-A341795CBE8B}"/>
               </a:ext>
             </a:extLst>
           </p:cNvPr>
@@ -1808,7 +1808,7 @@
           <a:bodyPr/>
           <a:lstStyle/>
           <a:p>
-            <a:fld id="{03AF0036-817A-4EFD-BCC7-76A8CD1EB3D1}" type="datetimeFigureOut">
+            <a:fld id="{D6222118-81C0-411D-B3BF-F9ADC614A2D6}" type="datetimeFigureOut">
               <a:rPr lang="zh-CN" altLang="en-US" smtClean="0"/>
               <a:t>2024/3/10</a:t>
             </a:fld>
@@ -1821,7 +1821,7 @@
           <p:cNvPr id="8" name="页脚占位符 7">
             <a:extLst>
               <a:ext uri="{FF2B5EF4-FFF2-40B4-BE49-F238E27FC236}">
-                <a16:creationId xmlns:a16="http://schemas.microsoft.com/office/drawing/2014/main" id="{FBCCFCC2-86DF-ACCA-9769-CB34B93E30BE}"/>
+                <a16:creationId xmlns:a16="http://schemas.microsoft.com/office/drawing/2014/main" id="{7DF60314-BD5F-4C1A-0A62-53AE4F9D3FD3}"/>
               </a:ext>
             </a:extLst>
           </p:cNvPr>
@@ -1846,7 +1846,7 @@
           <p:cNvPr id="9" name="灯片编号占位符 8">
             <a:extLst>
               <a:ext uri="{FF2B5EF4-FFF2-40B4-BE49-F238E27FC236}">
-                <a16:creationId xmlns:a16="http://schemas.microsoft.com/office/drawing/2014/main" id="{790A14CE-55E9-92E9-2AC0-3DBC82560B7D}"/>
+                <a16:creationId xmlns:a16="http://schemas.microsoft.com/office/drawing/2014/main" id="{C9A95442-6E1B-5858-80D6-28072C888D97}"/>
               </a:ext>
             </a:extLst>
           </p:cNvPr>
@@ -1862,7 +1862,7 @@
           <a:bodyPr/>
           <a:lstStyle/>
           <a:p>
-            <a:fld id="{9BD03D04-7667-44B2-B526-096BFE19F2EB}" type="slidenum">
+            <a:fld id="{DBFDEDCD-6821-4CAA-A701-9DE1DD2E92D4}" type="slidenum">
               <a:rPr lang="zh-CN" altLang="en-US" smtClean="0"/>
               <a:t>‹#›</a:t>
             </a:fld>
@@ -1873,7 +1873,7 @@
     </p:spTree>
     <p:extLst>
       <p:ext uri="{BB962C8B-B14F-4D97-AF65-F5344CB8AC3E}">
-        <p14:creationId xmlns:p14="http://schemas.microsoft.com/office/powerpoint/2010/main" val="2708023287"/>
+        <p14:creationId xmlns:p14="http://schemas.microsoft.com/office/powerpoint/2010/main" val="2464706711"/>
       </p:ext>
     </p:extLst>
   </p:cSld>
@@ -1905,7 +1905,7 @@
           <p:cNvPr id="2" name="标题 1">
             <a:extLst>
               <a:ext uri="{FF2B5EF4-FFF2-40B4-BE49-F238E27FC236}">
-                <a16:creationId xmlns:a16="http://schemas.microsoft.com/office/drawing/2014/main" id="{BD03490E-0343-6271-D153-7561FBF45928}"/>
+                <a16:creationId xmlns:a16="http://schemas.microsoft.com/office/drawing/2014/main" id="{47494D83-69BE-9729-F514-65C188CE3CD0}"/>
               </a:ext>
             </a:extLst>
           </p:cNvPr>
@@ -1933,7 +1933,7 @@
           <p:cNvPr id="3" name="日期占位符 2">
             <a:extLst>
               <a:ext uri="{FF2B5EF4-FFF2-40B4-BE49-F238E27FC236}">
-                <a16:creationId xmlns:a16="http://schemas.microsoft.com/office/drawing/2014/main" id="{18019486-73BA-E608-40F9-9080F46A8010}"/>
+                <a16:creationId xmlns:a16="http://schemas.microsoft.com/office/drawing/2014/main" id="{14FC7628-ABA6-EEF0-D543-2B762F50E147}"/>
               </a:ext>
             </a:extLst>
           </p:cNvPr>
@@ -1949,7 +1949,7 @@
           <a:bodyPr/>
           <a:lstStyle/>
           <a:p>
-            <a:fld id="{03AF0036-817A-4EFD-BCC7-76A8CD1EB3D1}" type="datetimeFigureOut">
+            <a:fld id="{D6222118-81C0-411D-B3BF-F9ADC614A2D6}" type="datetimeFigureOut">
               <a:rPr lang="zh-CN" altLang="en-US" smtClean="0"/>
               <a:t>2024/3/10</a:t>
             </a:fld>
@@ -1962,7 +1962,7 @@
           <p:cNvPr id="4" name="页脚占位符 3">
             <a:extLst>
               <a:ext uri="{FF2B5EF4-FFF2-40B4-BE49-F238E27FC236}">
-                <a16:creationId xmlns:a16="http://schemas.microsoft.com/office/drawing/2014/main" id="{C6ADF24B-E43E-EA51-3E01-0A72A6AEC6B3}"/>
+                <a16:creationId xmlns:a16="http://schemas.microsoft.com/office/drawing/2014/main" id="{4731044A-C89D-3457-05E1-080A20A9F164}"/>
               </a:ext>
             </a:extLst>
           </p:cNvPr>
@@ -1987,7 +1987,7 @@
           <p:cNvPr id="5" name="灯片编号占位符 4">
             <a:extLst>
               <a:ext uri="{FF2B5EF4-FFF2-40B4-BE49-F238E27FC236}">
-                <a16:creationId xmlns:a16="http://schemas.microsoft.com/office/drawing/2014/main" id="{96CBF333-32AF-2841-F4B7-78E807103567}"/>
+                <a16:creationId xmlns:a16="http://schemas.microsoft.com/office/drawing/2014/main" id="{770CF4A3-CDA5-5056-2010-8161B6616B10}"/>
               </a:ext>
             </a:extLst>
           </p:cNvPr>
@@ -2003,7 +2003,7 @@
           <a:bodyPr/>
           <a:lstStyle/>
           <a:p>
-            <a:fld id="{9BD03D04-7667-44B2-B526-096BFE19F2EB}" type="slidenum">
+            <a:fld id="{DBFDEDCD-6821-4CAA-A701-9DE1DD2E92D4}" type="slidenum">
               <a:rPr lang="zh-CN" altLang="en-US" smtClean="0"/>
               <a:t>‹#›</a:t>
             </a:fld>
@@ -2014,7 +2014,7 @@
     </p:spTree>
     <p:extLst>
       <p:ext uri="{BB962C8B-B14F-4D97-AF65-F5344CB8AC3E}">
-        <p14:creationId xmlns:p14="http://schemas.microsoft.com/office/powerpoint/2010/main" val="2326013016"/>
+        <p14:creationId xmlns:p14="http://schemas.microsoft.com/office/powerpoint/2010/main" val="317559788"/>
       </p:ext>
     </p:extLst>
   </p:cSld>
@@ -2046,7 +2046,7 @@
           <p:cNvPr id="2" name="日期占位符 1">
             <a:extLst>
               <a:ext uri="{FF2B5EF4-FFF2-40B4-BE49-F238E27FC236}">
-                <a16:creationId xmlns:a16="http://schemas.microsoft.com/office/drawing/2014/main" id="{0FA8AFCD-77F3-7144-44A8-5321C5BDBF1A}"/>
+                <a16:creationId xmlns:a16="http://schemas.microsoft.com/office/drawing/2014/main" id="{F18DED35-EB7A-6798-733E-D633A34B2FC0}"/>
               </a:ext>
             </a:extLst>
           </p:cNvPr>
@@ -2062,7 +2062,7 @@
           <a:bodyPr/>
           <a:lstStyle/>
           <a:p>
-            <a:fld id="{03AF0036-817A-4EFD-BCC7-76A8CD1EB3D1}" type="datetimeFigureOut">
+            <a:fld id="{D6222118-81C0-411D-B3BF-F9ADC614A2D6}" type="datetimeFigureOut">
               <a:rPr lang="zh-CN" altLang="en-US" smtClean="0"/>
               <a:t>2024/3/10</a:t>
             </a:fld>
@@ -2075,7 +2075,7 @@
           <p:cNvPr id="3" name="页脚占位符 2">
             <a:extLst>
               <a:ext uri="{FF2B5EF4-FFF2-40B4-BE49-F238E27FC236}">
-                <a16:creationId xmlns:a16="http://schemas.microsoft.com/office/drawing/2014/main" id="{77362559-B4BB-0761-E249-619C3C4B9B49}"/>
+                <a16:creationId xmlns:a16="http://schemas.microsoft.com/office/drawing/2014/main" id="{83537D33-7686-CE75-91A7-70D5CA638244}"/>
               </a:ext>
             </a:extLst>
           </p:cNvPr>
@@ -2100,7 +2100,7 @@
           <p:cNvPr id="4" name="灯片编号占位符 3">
             <a:extLst>
               <a:ext uri="{FF2B5EF4-FFF2-40B4-BE49-F238E27FC236}">
-                <a16:creationId xmlns:a16="http://schemas.microsoft.com/office/drawing/2014/main" id="{8DA0216B-1DF6-EA19-31B9-9F305CE64F17}"/>
+                <a16:creationId xmlns:a16="http://schemas.microsoft.com/office/drawing/2014/main" id="{BE9BC15F-9BC1-E6ED-A6F1-6284BF4B1C84}"/>
               </a:ext>
             </a:extLst>
           </p:cNvPr>
@@ -2116,7 +2116,7 @@
           <a:bodyPr/>
           <a:lstStyle/>
           <a:p>
-            <a:fld id="{9BD03D04-7667-44B2-B526-096BFE19F2EB}" type="slidenum">
+            <a:fld id="{DBFDEDCD-6821-4CAA-A701-9DE1DD2E92D4}" type="slidenum">
               <a:rPr lang="zh-CN" altLang="en-US" smtClean="0"/>
               <a:t>‹#›</a:t>
             </a:fld>
@@ -2127,7 +2127,7 @@
     </p:spTree>
     <p:extLst>
       <p:ext uri="{BB962C8B-B14F-4D97-AF65-F5344CB8AC3E}">
-        <p14:creationId xmlns:p14="http://schemas.microsoft.com/office/powerpoint/2010/main" val="2494828478"/>
+        <p14:creationId xmlns:p14="http://schemas.microsoft.com/office/powerpoint/2010/main" val="2334190679"/>
       </p:ext>
     </p:extLst>
   </p:cSld>
@@ -2159,7 +2159,7 @@
           <p:cNvPr id="2" name="标题 1">
             <a:extLst>
               <a:ext uri="{FF2B5EF4-FFF2-40B4-BE49-F238E27FC236}">
-                <a16:creationId xmlns:a16="http://schemas.microsoft.com/office/drawing/2014/main" id="{3D067F6C-FDF6-85DD-7DC6-45AFB05B1D7C}"/>
+                <a16:creationId xmlns:a16="http://schemas.microsoft.com/office/drawing/2014/main" id="{54483F93-41E5-BE62-FC12-38FB11219D8D}"/>
               </a:ext>
             </a:extLst>
           </p:cNvPr>
@@ -2196,7 +2196,7 @@
           <p:cNvPr id="3" name="内容占位符 2">
             <a:extLst>
               <a:ext uri="{FF2B5EF4-FFF2-40B4-BE49-F238E27FC236}">
-                <a16:creationId xmlns:a16="http://schemas.microsoft.com/office/drawing/2014/main" id="{D44A2009-8D23-9CE6-5D40-47615333D034}"/>
+                <a16:creationId xmlns:a16="http://schemas.microsoft.com/office/drawing/2014/main" id="{808B0104-21A7-7DF8-F554-A84D1A3E8753}"/>
               </a:ext>
             </a:extLst>
           </p:cNvPr>
@@ -2286,7 +2286,7 @@
           <p:cNvPr id="4" name="文本占位符 3">
             <a:extLst>
               <a:ext uri="{FF2B5EF4-FFF2-40B4-BE49-F238E27FC236}">
-                <a16:creationId xmlns:a16="http://schemas.microsoft.com/office/drawing/2014/main" id="{A603064B-CE15-BF66-ACCB-062E67C7A755}"/>
+                <a16:creationId xmlns:a16="http://schemas.microsoft.com/office/drawing/2014/main" id="{9DCC9CA6-C027-FB39-2567-DCE168CDE2CA}"/>
               </a:ext>
             </a:extLst>
           </p:cNvPr>
@@ -2357,7 +2357,7 @@
           <p:cNvPr id="5" name="日期占位符 4">
             <a:extLst>
               <a:ext uri="{FF2B5EF4-FFF2-40B4-BE49-F238E27FC236}">
-                <a16:creationId xmlns:a16="http://schemas.microsoft.com/office/drawing/2014/main" id="{A46C34B0-456D-3D94-DC23-7DC85B93749E}"/>
+                <a16:creationId xmlns:a16="http://schemas.microsoft.com/office/drawing/2014/main" id="{B490F954-5CB3-36F4-7A7A-B6ED74B3CB0D}"/>
               </a:ext>
             </a:extLst>
           </p:cNvPr>
@@ -2373,7 +2373,7 @@
           <a:bodyPr/>
           <a:lstStyle/>
           <a:p>
-            <a:fld id="{03AF0036-817A-4EFD-BCC7-76A8CD1EB3D1}" type="datetimeFigureOut">
+            <a:fld id="{D6222118-81C0-411D-B3BF-F9ADC614A2D6}" type="datetimeFigureOut">
               <a:rPr lang="zh-CN" altLang="en-US" smtClean="0"/>
               <a:t>2024/3/10</a:t>
             </a:fld>
@@ -2386,7 +2386,7 @@
           <p:cNvPr id="6" name="页脚占位符 5">
             <a:extLst>
               <a:ext uri="{FF2B5EF4-FFF2-40B4-BE49-F238E27FC236}">
-                <a16:creationId xmlns:a16="http://schemas.microsoft.com/office/drawing/2014/main" id="{248D4101-26EE-9B3C-F15F-3B080DB32B0E}"/>
+                <a16:creationId xmlns:a16="http://schemas.microsoft.com/office/drawing/2014/main" id="{F3FE8B1C-6047-DDCD-E4EB-07EEE3CE13B5}"/>
               </a:ext>
             </a:extLst>
           </p:cNvPr>
@@ -2411,7 +2411,7 @@
           <p:cNvPr id="7" name="灯片编号占位符 6">
             <a:extLst>
               <a:ext uri="{FF2B5EF4-FFF2-40B4-BE49-F238E27FC236}">
-                <a16:creationId xmlns:a16="http://schemas.microsoft.com/office/drawing/2014/main" id="{91E0E145-B397-E41A-A10D-63655E2262DF}"/>
+                <a16:creationId xmlns:a16="http://schemas.microsoft.com/office/drawing/2014/main" id="{68368677-0B2C-A9D5-5022-1E868339E5E7}"/>
               </a:ext>
             </a:extLst>
           </p:cNvPr>
@@ -2427,7 +2427,7 @@
           <a:bodyPr/>
           <a:lstStyle/>
           <a:p>
-            <a:fld id="{9BD03D04-7667-44B2-B526-096BFE19F2EB}" type="slidenum">
+            <a:fld id="{DBFDEDCD-6821-4CAA-A701-9DE1DD2E92D4}" type="slidenum">
               <a:rPr lang="zh-CN" altLang="en-US" smtClean="0"/>
               <a:t>‹#›</a:t>
             </a:fld>
@@ -2438,7 +2438,7 @@
     </p:spTree>
     <p:extLst>
       <p:ext uri="{BB962C8B-B14F-4D97-AF65-F5344CB8AC3E}">
-        <p14:creationId xmlns:p14="http://schemas.microsoft.com/office/powerpoint/2010/main" val="4038818034"/>
+        <p14:creationId xmlns:p14="http://schemas.microsoft.com/office/powerpoint/2010/main" val="3313421806"/>
       </p:ext>
     </p:extLst>
   </p:cSld>
@@ -2470,7 +2470,7 @@
           <p:cNvPr id="2" name="标题 1">
             <a:extLst>
               <a:ext uri="{FF2B5EF4-FFF2-40B4-BE49-F238E27FC236}">
-                <a16:creationId xmlns:a16="http://schemas.microsoft.com/office/drawing/2014/main" id="{4A8FE96E-7D06-7286-493D-758D1592F090}"/>
+                <a16:creationId xmlns:a16="http://schemas.microsoft.com/office/drawing/2014/main" id="{B1310D65-A3C1-A42B-8933-19ED6AC6D492}"/>
               </a:ext>
             </a:extLst>
           </p:cNvPr>
@@ -2507,7 +2507,7 @@
           <p:cNvPr id="3" name="图片占位符 2">
             <a:extLst>
               <a:ext uri="{FF2B5EF4-FFF2-40B4-BE49-F238E27FC236}">
-                <a16:creationId xmlns:a16="http://schemas.microsoft.com/office/drawing/2014/main" id="{6B5D6CA0-B113-67B3-34B0-314BF3062BA5}"/>
+                <a16:creationId xmlns:a16="http://schemas.microsoft.com/office/drawing/2014/main" id="{B40D2094-8C2A-FD8F-D03B-C901BF4DE707}"/>
               </a:ext>
             </a:extLst>
           </p:cNvPr>
@@ -2574,7 +2574,7 @@
           <p:cNvPr id="4" name="文本占位符 3">
             <a:extLst>
               <a:ext uri="{FF2B5EF4-FFF2-40B4-BE49-F238E27FC236}">
-                <a16:creationId xmlns:a16="http://schemas.microsoft.com/office/drawing/2014/main" id="{3CE78E22-AB9C-669F-A6E4-AB682738E25A}"/>
+                <a16:creationId xmlns:a16="http://schemas.microsoft.com/office/drawing/2014/main" id="{9C2C128F-9BC7-DC8E-FBD4-78C2AC126AAF}"/>
               </a:ext>
             </a:extLst>
           </p:cNvPr>
@@ -2645,7 +2645,7 @@
           <p:cNvPr id="5" name="日期占位符 4">
             <a:extLst>
               <a:ext uri="{FF2B5EF4-FFF2-40B4-BE49-F238E27FC236}">
-                <a16:creationId xmlns:a16="http://schemas.microsoft.com/office/drawing/2014/main" id="{E64D900E-1A8E-D945-31B7-F9B4FF2ADA73}"/>
+                <a16:creationId xmlns:a16="http://schemas.microsoft.com/office/drawing/2014/main" id="{A12B9E62-6382-66C2-BA34-59A7BDF85B62}"/>
               </a:ext>
             </a:extLst>
           </p:cNvPr>
@@ -2661,7 +2661,7 @@
           <a:bodyPr/>
           <a:lstStyle/>
           <a:p>
-            <a:fld id="{03AF0036-817A-4EFD-BCC7-76A8CD1EB3D1}" type="datetimeFigureOut">
+            <a:fld id="{D6222118-81C0-411D-B3BF-F9ADC614A2D6}" type="datetimeFigureOut">
               <a:rPr lang="zh-CN" altLang="en-US" smtClean="0"/>
               <a:t>2024/3/10</a:t>
             </a:fld>
@@ -2674,7 +2674,7 @@
           <p:cNvPr id="6" name="页脚占位符 5">
             <a:extLst>
               <a:ext uri="{FF2B5EF4-FFF2-40B4-BE49-F238E27FC236}">
-                <a16:creationId xmlns:a16="http://schemas.microsoft.com/office/drawing/2014/main" id="{978BEA26-69BE-40F3-A7C2-0A49905A8957}"/>
+                <a16:creationId xmlns:a16="http://schemas.microsoft.com/office/drawing/2014/main" id="{1788ADEE-AD83-0498-264A-B524D7514F12}"/>
               </a:ext>
             </a:extLst>
           </p:cNvPr>
@@ -2699,7 +2699,7 @@
           <p:cNvPr id="7" name="灯片编号占位符 6">
             <a:extLst>
               <a:ext uri="{FF2B5EF4-FFF2-40B4-BE49-F238E27FC236}">
-                <a16:creationId xmlns:a16="http://schemas.microsoft.com/office/drawing/2014/main" id="{557112DB-7900-3AD2-BD21-DB2B9B72B5F1}"/>
+                <a16:creationId xmlns:a16="http://schemas.microsoft.com/office/drawing/2014/main" id="{2B1C9FDF-F5D8-B73A-F396-7B60D6C5A819}"/>
               </a:ext>
             </a:extLst>
           </p:cNvPr>
@@ -2715,7 +2715,7 @@
           <a:bodyPr/>
           <a:lstStyle/>
           <a:p>
-            <a:fld id="{9BD03D04-7667-44B2-B526-096BFE19F2EB}" type="slidenum">
+            <a:fld id="{DBFDEDCD-6821-4CAA-A701-9DE1DD2E92D4}" type="slidenum">
               <a:rPr lang="zh-CN" altLang="en-US" smtClean="0"/>
               <a:t>‹#›</a:t>
             </a:fld>
@@ -2726,7 +2726,7 @@
     </p:spTree>
     <p:extLst>
       <p:ext uri="{BB962C8B-B14F-4D97-AF65-F5344CB8AC3E}">
-        <p14:creationId xmlns:p14="http://schemas.microsoft.com/office/powerpoint/2010/main" val="1358347465"/>
+        <p14:creationId xmlns:p14="http://schemas.microsoft.com/office/powerpoint/2010/main" val="2327520658"/>
       </p:ext>
     </p:extLst>
   </p:cSld>
@@ -2763,7 +2763,7 @@
           <p:cNvPr id="2" name="标题占位符 1">
             <a:extLst>
               <a:ext uri="{FF2B5EF4-FFF2-40B4-BE49-F238E27FC236}">
-                <a16:creationId xmlns:a16="http://schemas.microsoft.com/office/drawing/2014/main" id="{4C1C8BC0-8D06-7215-B752-70BE48749FE7}"/>
+                <a16:creationId xmlns:a16="http://schemas.microsoft.com/office/drawing/2014/main" id="{3E7B20AD-C4DA-D058-407F-FF3CCD0F0A57}"/>
               </a:ext>
             </a:extLst>
           </p:cNvPr>
@@ -2801,7 +2801,7 @@
           <p:cNvPr id="3" name="文本占位符 2">
             <a:extLst>
               <a:ext uri="{FF2B5EF4-FFF2-40B4-BE49-F238E27FC236}">
-                <a16:creationId xmlns:a16="http://schemas.microsoft.com/office/drawing/2014/main" id="{FDBA2D95-4552-5724-0E12-5D70F4C5AF4B}"/>
+                <a16:creationId xmlns:a16="http://schemas.microsoft.com/office/drawing/2014/main" id="{4572F409-88A3-D2A5-0CC4-BC18FC57FBB4}"/>
               </a:ext>
             </a:extLst>
           </p:cNvPr>
@@ -2868,7 +2868,7 @@
           <p:cNvPr id="4" name="日期占位符 3">
             <a:extLst>
               <a:ext uri="{FF2B5EF4-FFF2-40B4-BE49-F238E27FC236}">
-                <a16:creationId xmlns:a16="http://schemas.microsoft.com/office/drawing/2014/main" id="{4DA7E631-1EC5-6826-CC63-1C030F4A424A}"/>
+                <a16:creationId xmlns:a16="http://schemas.microsoft.com/office/drawing/2014/main" id="{4D5B8CA2-0F93-EE59-CFEA-583F1385D976}"/>
               </a:ext>
             </a:extLst>
           </p:cNvPr>
@@ -2902,7 +2902,7 @@
             </a:lvl1pPr>
           </a:lstStyle>
           <a:p>
-            <a:fld id="{03AF0036-817A-4EFD-BCC7-76A8CD1EB3D1}" type="datetimeFigureOut">
+            <a:fld id="{D6222118-81C0-411D-B3BF-F9ADC614A2D6}" type="datetimeFigureOut">
               <a:rPr lang="zh-CN" altLang="en-US" smtClean="0"/>
               <a:t>2024/3/10</a:t>
             </a:fld>
@@ -2915,7 +2915,7 @@
           <p:cNvPr id="5" name="页脚占位符 4">
             <a:extLst>
               <a:ext uri="{FF2B5EF4-FFF2-40B4-BE49-F238E27FC236}">
-                <a16:creationId xmlns:a16="http://schemas.microsoft.com/office/drawing/2014/main" id="{10ECFC9A-CB88-47C1-51ED-BF40A2B801E9}"/>
+                <a16:creationId xmlns:a16="http://schemas.microsoft.com/office/drawing/2014/main" id="{78DE02AC-A170-263B-8C7A-FAA52DE22B32}"/>
               </a:ext>
             </a:extLst>
           </p:cNvPr>
@@ -2958,7 +2958,7 @@
           <p:cNvPr id="6" name="灯片编号占位符 5">
             <a:extLst>
               <a:ext uri="{FF2B5EF4-FFF2-40B4-BE49-F238E27FC236}">
-                <a16:creationId xmlns:a16="http://schemas.microsoft.com/office/drawing/2014/main" id="{2B67A9C4-EB98-6F86-C98F-65C9AF9B755D}"/>
+                <a16:creationId xmlns:a16="http://schemas.microsoft.com/office/drawing/2014/main" id="{6EBF6BFF-D642-D772-B691-EBA561E68AEA}"/>
               </a:ext>
             </a:extLst>
           </p:cNvPr>
@@ -2992,7 +2992,7 @@
             </a:lvl1pPr>
           </a:lstStyle>
           <a:p>
-            <a:fld id="{9BD03D04-7667-44B2-B526-096BFE19F2EB}" type="slidenum">
+            <a:fld id="{DBFDEDCD-6821-4CAA-A701-9DE1DD2E92D4}" type="slidenum">
               <a:rPr lang="zh-CN" altLang="en-US" smtClean="0"/>
               <a:t>‹#›</a:t>
             </a:fld>
@@ -3003,7 +3003,7 @@
     </p:spTree>
     <p:extLst>
       <p:ext uri="{BB962C8B-B14F-4D97-AF65-F5344CB8AC3E}">
-        <p14:creationId xmlns:p14="http://schemas.microsoft.com/office/powerpoint/2010/main" val="4152695734"/>
+        <p14:creationId xmlns:p14="http://schemas.microsoft.com/office/powerpoint/2010/main" val="3705649325"/>
       </p:ext>
     </p:extLst>
   </p:cSld>
@@ -3323,7 +3323,7 @@
       </p:grpSpPr>
       <p:pic>
         <p:nvPicPr>
-          <p:cNvPr id="208898" name="Picture 2" descr="203"/>
+          <p:cNvPr id="209922" name="Picture 2" descr="204"/>
           <p:cNvPicPr>
             <a:picLocks noChangeAspect="1" noChangeArrowheads="1"/>
           </p:cNvPicPr>
